--- a/jvmci/jdk.vm.ci.hotspot/src/jdk/vm/ci/hotspot/doc-files/HotSpotNmethod Mirrors.pptx
+++ b/jvmci/jdk.vm.ci.hotspot/src/jdk/vm/ci/hotspot/doc-files/HotSpotNmethod Mirrors.pptx
@@ -259,7 +259,7 @@
           <a:p>
             <a:fld id="{C988CD7F-D1F5-774F-9A5A-203DFF859D82}" type="datetimeFigureOut">
               <a:rPr lang="en-US" smtClean="0"/>
-              <a:t>9/10/18</a:t>
+              <a:t>10/15/18</a:t>
             </a:fld>
             <a:endParaRPr lang="en-US"/>
           </a:p>
@@ -457,7 +457,7 @@
           <a:p>
             <a:fld id="{C988CD7F-D1F5-774F-9A5A-203DFF859D82}" type="datetimeFigureOut">
               <a:rPr lang="en-US" smtClean="0"/>
-              <a:t>9/10/18</a:t>
+              <a:t>10/15/18</a:t>
             </a:fld>
             <a:endParaRPr lang="en-US"/>
           </a:p>
@@ -665,7 +665,7 @@
           <a:p>
             <a:fld id="{C988CD7F-D1F5-774F-9A5A-203DFF859D82}" type="datetimeFigureOut">
               <a:rPr lang="en-US" smtClean="0"/>
-              <a:t>9/10/18</a:t>
+              <a:t>10/15/18</a:t>
             </a:fld>
             <a:endParaRPr lang="en-US"/>
           </a:p>
@@ -863,7 +863,7 @@
           <a:p>
             <a:fld id="{C988CD7F-D1F5-774F-9A5A-203DFF859D82}" type="datetimeFigureOut">
               <a:rPr lang="en-US" smtClean="0"/>
-              <a:t>9/10/18</a:t>
+              <a:t>10/15/18</a:t>
             </a:fld>
             <a:endParaRPr lang="en-US"/>
           </a:p>
@@ -1138,7 +1138,7 @@
           <a:p>
             <a:fld id="{C988CD7F-D1F5-774F-9A5A-203DFF859D82}" type="datetimeFigureOut">
               <a:rPr lang="en-US" smtClean="0"/>
-              <a:t>9/10/18</a:t>
+              <a:t>10/15/18</a:t>
             </a:fld>
             <a:endParaRPr lang="en-US"/>
           </a:p>
@@ -1403,7 +1403,7 @@
           <a:p>
             <a:fld id="{C988CD7F-D1F5-774F-9A5A-203DFF859D82}" type="datetimeFigureOut">
               <a:rPr lang="en-US" smtClean="0"/>
-              <a:t>9/10/18</a:t>
+              <a:t>10/15/18</a:t>
             </a:fld>
             <a:endParaRPr lang="en-US"/>
           </a:p>
@@ -1815,7 +1815,7 @@
           <a:p>
             <a:fld id="{C988CD7F-D1F5-774F-9A5A-203DFF859D82}" type="datetimeFigureOut">
               <a:rPr lang="en-US" smtClean="0"/>
-              <a:t>9/10/18</a:t>
+              <a:t>10/15/18</a:t>
             </a:fld>
             <a:endParaRPr lang="en-US"/>
           </a:p>
@@ -1956,7 +1956,7 @@
           <a:p>
             <a:fld id="{C988CD7F-D1F5-774F-9A5A-203DFF859D82}" type="datetimeFigureOut">
               <a:rPr lang="en-US" smtClean="0"/>
-              <a:t>9/10/18</a:t>
+              <a:t>10/15/18</a:t>
             </a:fld>
             <a:endParaRPr lang="en-US"/>
           </a:p>
@@ -2069,7 +2069,7 @@
           <a:p>
             <a:fld id="{C988CD7F-D1F5-774F-9A5A-203DFF859D82}" type="datetimeFigureOut">
               <a:rPr lang="en-US" smtClean="0"/>
-              <a:t>9/10/18</a:t>
+              <a:t>10/15/18</a:t>
             </a:fld>
             <a:endParaRPr lang="en-US"/>
           </a:p>
@@ -2380,7 +2380,7 @@
           <a:p>
             <a:fld id="{C988CD7F-D1F5-774F-9A5A-203DFF859D82}" type="datetimeFigureOut">
               <a:rPr lang="en-US" smtClean="0"/>
-              <a:t>9/10/18</a:t>
+              <a:t>10/15/18</a:t>
             </a:fld>
             <a:endParaRPr lang="en-US"/>
           </a:p>
@@ -2668,7 +2668,7 @@
           <a:p>
             <a:fld id="{C988CD7F-D1F5-774F-9A5A-203DFF859D82}" type="datetimeFigureOut">
               <a:rPr lang="en-US" smtClean="0"/>
-              <a:t>9/10/18</a:t>
+              <a:t>10/15/18</a:t>
             </a:fld>
             <a:endParaRPr lang="en-US"/>
           </a:p>
@@ -2909,7 +2909,7 @@
           <a:p>
             <a:fld id="{C988CD7F-D1F5-774F-9A5A-203DFF859D82}" type="datetimeFigureOut">
               <a:rPr lang="en-US" smtClean="0"/>
-              <a:t>9/10/18</a:t>
+              <a:t>10/15/18</a:t>
             </a:fld>
             <a:endParaRPr lang="en-US"/>
           </a:p>
@@ -4168,33 +4168,7 @@
                   <a:schemeClr val="tx1"/>
                 </a:solidFill>
               </a:rPr>
-              <a:t>nmethod_mirror_hotspot</a:t>
-            </a:r>
-            <a:r>
-              <a:rPr lang="en-US" sz="1400" dirty="0">
-                <a:solidFill>
-                  <a:schemeClr val="tx1"/>
-                </a:solidFill>
-              </a:rPr>
-              <a:t>:</a:t>
-            </a:r>
-          </a:p>
-          <a:p>
-            <a:r>
-              <a:rPr lang="en-US" sz="1400" dirty="0">
-                <a:solidFill>
-                  <a:schemeClr val="tx1"/>
-                </a:solidFill>
-              </a:rPr>
-              <a:t>_</a:t>
-            </a:r>
-            <a:r>
-              <a:rPr lang="en-US" sz="1400" dirty="0" err="1">
-                <a:solidFill>
-                  <a:schemeClr val="tx1"/>
-                </a:solidFill>
-              </a:rPr>
-              <a:t>nmethod_mirror_svm</a:t>
+              <a:t>nmethod_mirror</a:t>
             </a:r>
             <a:r>
               <a:rPr lang="en-US" sz="1400" dirty="0">
@@ -4616,7 +4590,7 @@
         <p:spPr>
           <a:xfrm>
             <a:off x="6701457" y="565605"/>
-            <a:ext cx="1486946" cy="307777"/>
+            <a:ext cx="2006318" cy="307777"/>
           </a:xfrm>
           <a:prstGeom prst="rect">
             <a:avLst/>
@@ -4631,7 +4605,7 @@
           <a:p>
             <a:r>
               <a:rPr lang="en-US" sz="1400" dirty="0" err="1"/>
-              <a:t>HotSpotNMethod</a:t>
+              <a:t>HotSpotNMethodHandle</a:t>
             </a:r>
             <a:endParaRPr lang="en-US" sz="1400" dirty="0"/>
           </a:p>
@@ -4660,519 +4634,6 @@
             <a:avLst>
               <a:gd name="adj1" fmla="val 245"/>
             </a:avLst>
-          </a:prstGeom>
-          <a:ln>
-            <a:solidFill>
-              <a:schemeClr val="tx1"/>
-            </a:solidFill>
-            <a:tailEnd type="triangle"/>
-          </a:ln>
-        </p:spPr>
-        <p:style>
-          <a:lnRef idx="1">
-            <a:schemeClr val="accent1"/>
-          </a:lnRef>
-          <a:fillRef idx="0">
-            <a:schemeClr val="accent1"/>
-          </a:fillRef>
-          <a:effectRef idx="0">
-            <a:schemeClr val="accent1"/>
-          </a:effectRef>
-          <a:fontRef idx="minor">
-            <a:schemeClr val="tx1"/>
-          </a:fontRef>
-        </p:style>
-      </p:cxnSp>
-      <p:sp>
-        <p:nvSpPr>
-          <p:cNvPr id="92" name="TextBox 91">
-            <a:extLst>
-              <a:ext uri="{FF2B5EF4-FFF2-40B4-BE49-F238E27FC236}">
-                <a16:creationId xmlns:a16="http://schemas.microsoft.com/office/drawing/2014/main" id="{1C7ABBCA-0C19-F14A-B915-A985F0572C30}"/>
-              </a:ext>
-            </a:extLst>
-          </p:cNvPr>
-          <p:cNvSpPr txBox="1"/>
-          <p:nvPr/>
-        </p:nvSpPr>
-        <p:spPr>
-          <a:xfrm>
-            <a:off x="9002547" y="4782241"/>
-            <a:ext cx="1122423" cy="307777"/>
-          </a:xfrm>
-          <a:prstGeom prst="rect">
-            <a:avLst/>
-          </a:prstGeom>
-          <a:noFill/>
-        </p:spPr>
-        <p:txBody>
-          <a:bodyPr wrap="none" rtlCol="0">
-            <a:spAutoFit/>
-          </a:bodyPr>
-          <a:lstStyle/>
-          <a:p>
-            <a:r>
-              <a:rPr lang="en-US" sz="1400" dirty="0" err="1"/>
-              <a:t>JVMCIObject</a:t>
-            </a:r>
-            <a:endParaRPr lang="en-US" sz="1400" dirty="0"/>
-          </a:p>
-        </p:txBody>
-      </p:sp>
-      <p:sp>
-        <p:nvSpPr>
-          <p:cNvPr id="93" name="Rectangle 92">
-            <a:extLst>
-              <a:ext uri="{FF2B5EF4-FFF2-40B4-BE49-F238E27FC236}">
-                <a16:creationId xmlns:a16="http://schemas.microsoft.com/office/drawing/2014/main" id="{7DAE3713-ED63-CF47-B5B1-D9EAFA090D2D}"/>
-              </a:ext>
-            </a:extLst>
-          </p:cNvPr>
-          <p:cNvSpPr/>
-          <p:nvPr/>
-        </p:nvSpPr>
-        <p:spPr>
-          <a:xfrm>
-            <a:off x="9075548" y="5098228"/>
-            <a:ext cx="1509823" cy="510473"/>
-          </a:xfrm>
-          <a:prstGeom prst="rect">
-            <a:avLst/>
-          </a:prstGeom>
-          <a:solidFill>
-            <a:srgbClr val="FF0000"/>
-          </a:solidFill>
-          <a:ln>
-            <a:solidFill>
-              <a:schemeClr val="accent1">
-                <a:shade val="50000"/>
-              </a:schemeClr>
-            </a:solidFill>
-          </a:ln>
-        </p:spPr>
-        <p:style>
-          <a:lnRef idx="2">
-            <a:schemeClr val="accent1">
-              <a:shade val="50000"/>
-            </a:schemeClr>
-          </a:lnRef>
-          <a:fillRef idx="1">
-            <a:schemeClr val="accent1"/>
-          </a:fillRef>
-          <a:effectRef idx="0">
-            <a:schemeClr val="accent1"/>
-          </a:effectRef>
-          <a:fontRef idx="minor">
-            <a:schemeClr val="lt1"/>
-          </a:fontRef>
-        </p:style>
-        <p:txBody>
-          <a:bodyPr rtlCol="0" anchor="t" anchorCtr="0"/>
-          <a:lstStyle/>
-          <a:p>
-            <a:r>
-              <a:rPr lang="en-US" sz="1400" dirty="0">
-                <a:solidFill>
-                  <a:schemeClr val="tx1"/>
-                </a:solidFill>
-              </a:rPr>
-              <a:t>_object: 1</a:t>
-            </a:r>
-          </a:p>
-          <a:p>
-            <a:r>
-              <a:rPr lang="en-US" sz="1400" dirty="0">
-                <a:solidFill>
-                  <a:schemeClr val="tx1"/>
-                </a:solidFill>
-              </a:rPr>
-              <a:t>_</a:t>
-            </a:r>
-            <a:r>
-              <a:rPr lang="en-US" sz="1400" dirty="0" err="1">
-                <a:solidFill>
-                  <a:schemeClr val="tx1"/>
-                </a:solidFill>
-              </a:rPr>
-              <a:t>is_hotspot</a:t>
-            </a:r>
-            <a:r>
-              <a:rPr lang="en-US" sz="1400" dirty="0">
-                <a:solidFill>
-                  <a:schemeClr val="tx1"/>
-                </a:solidFill>
-              </a:rPr>
-              <a:t>: false</a:t>
-            </a:r>
-          </a:p>
-        </p:txBody>
-      </p:sp>
-      <p:sp>
-        <p:nvSpPr>
-          <p:cNvPr id="95" name="Rectangle 94">
-            <a:extLst>
-              <a:ext uri="{FF2B5EF4-FFF2-40B4-BE49-F238E27FC236}">
-                <a16:creationId xmlns:a16="http://schemas.microsoft.com/office/drawing/2014/main" id="{49F28881-EA07-D54C-B259-E7D0F4C1A75B}"/>
-              </a:ext>
-            </a:extLst>
-          </p:cNvPr>
-          <p:cNvSpPr/>
-          <p:nvPr/>
-        </p:nvSpPr>
-        <p:spPr>
-          <a:xfrm>
-            <a:off x="10121837" y="2502266"/>
-            <a:ext cx="242887" cy="218646"/>
-          </a:xfrm>
-          <a:prstGeom prst="rect">
-            <a:avLst/>
-          </a:prstGeom>
-          <a:solidFill>
-            <a:srgbClr val="92D050"/>
-          </a:solidFill>
-        </p:spPr>
-        <p:style>
-          <a:lnRef idx="2">
-            <a:schemeClr val="accent1">
-              <a:shade val="50000"/>
-            </a:schemeClr>
-          </a:lnRef>
-          <a:fillRef idx="1">
-            <a:schemeClr val="accent1"/>
-          </a:fillRef>
-          <a:effectRef idx="0">
-            <a:schemeClr val="accent1"/>
-          </a:effectRef>
-          <a:fontRef idx="minor">
-            <a:schemeClr val="lt1"/>
-          </a:fontRef>
-        </p:style>
-        <p:txBody>
-          <a:bodyPr rtlCol="0" anchor="ctr"/>
-          <a:lstStyle/>
-          <a:p>
-            <a:pPr algn="ctr"/>
-            <a:endParaRPr lang="en-US" dirty="0">
-              <a:solidFill>
-                <a:schemeClr val="tx1"/>
-              </a:solidFill>
-            </a:endParaRPr>
-          </a:p>
-        </p:txBody>
-      </p:sp>
-      <p:sp>
-        <p:nvSpPr>
-          <p:cNvPr id="96" name="Rectangle 95">
-            <a:extLst>
-              <a:ext uri="{FF2B5EF4-FFF2-40B4-BE49-F238E27FC236}">
-                <a16:creationId xmlns:a16="http://schemas.microsoft.com/office/drawing/2014/main" id="{B9D4C822-DD7E-454C-A99E-76FF17539743}"/>
-              </a:ext>
-            </a:extLst>
-          </p:cNvPr>
-          <p:cNvSpPr/>
-          <p:nvPr/>
-        </p:nvSpPr>
-        <p:spPr>
-          <a:xfrm>
-            <a:off x="10121837" y="2720912"/>
-            <a:ext cx="242887" cy="218646"/>
-          </a:xfrm>
-          <a:prstGeom prst="rect">
-            <a:avLst/>
-          </a:prstGeom>
-          <a:solidFill>
-            <a:srgbClr val="92D050"/>
-          </a:solidFill>
-        </p:spPr>
-        <p:style>
-          <a:lnRef idx="2">
-            <a:schemeClr val="accent1">
-              <a:shade val="50000"/>
-            </a:schemeClr>
-          </a:lnRef>
-          <a:fillRef idx="1">
-            <a:schemeClr val="accent1"/>
-          </a:fillRef>
-          <a:effectRef idx="0">
-            <a:schemeClr val="accent1"/>
-          </a:effectRef>
-          <a:fontRef idx="minor">
-            <a:schemeClr val="lt1"/>
-          </a:fontRef>
-        </p:style>
-        <p:txBody>
-          <a:bodyPr rtlCol="0" anchor="ctr"/>
-          <a:lstStyle/>
-          <a:p>
-            <a:pPr algn="ctr"/>
-            <a:endParaRPr lang="en-US" dirty="0">
-              <a:solidFill>
-                <a:schemeClr val="tx1"/>
-              </a:solidFill>
-            </a:endParaRPr>
-          </a:p>
-        </p:txBody>
-      </p:sp>
-      <p:sp>
-        <p:nvSpPr>
-          <p:cNvPr id="97" name="Rectangle 96">
-            <a:extLst>
-              <a:ext uri="{FF2B5EF4-FFF2-40B4-BE49-F238E27FC236}">
-                <a16:creationId xmlns:a16="http://schemas.microsoft.com/office/drawing/2014/main" id="{0467515D-AA6A-5349-BB2C-02D0CF5BBC7F}"/>
-              </a:ext>
-            </a:extLst>
-          </p:cNvPr>
-          <p:cNvSpPr/>
-          <p:nvPr/>
-        </p:nvSpPr>
-        <p:spPr>
-          <a:xfrm>
-            <a:off x="10121837" y="2939558"/>
-            <a:ext cx="242887" cy="218646"/>
-          </a:xfrm>
-          <a:prstGeom prst="rect">
-            <a:avLst/>
-          </a:prstGeom>
-          <a:solidFill>
-            <a:srgbClr val="92D050"/>
-          </a:solidFill>
-        </p:spPr>
-        <p:style>
-          <a:lnRef idx="2">
-            <a:schemeClr val="accent1">
-              <a:shade val="50000"/>
-            </a:schemeClr>
-          </a:lnRef>
-          <a:fillRef idx="1">
-            <a:schemeClr val="accent1"/>
-          </a:fillRef>
-          <a:effectRef idx="0">
-            <a:schemeClr val="accent1"/>
-          </a:effectRef>
-          <a:fontRef idx="minor">
-            <a:schemeClr val="lt1"/>
-          </a:fontRef>
-        </p:style>
-        <p:txBody>
-          <a:bodyPr rtlCol="0" anchor="ctr"/>
-          <a:lstStyle/>
-          <a:p>
-            <a:pPr algn="ctr"/>
-            <a:endParaRPr lang="en-US" dirty="0">
-              <a:solidFill>
-                <a:schemeClr val="tx1"/>
-              </a:solidFill>
-            </a:endParaRPr>
-          </a:p>
-        </p:txBody>
-      </p:sp>
-      <p:sp>
-        <p:nvSpPr>
-          <p:cNvPr id="98" name="Rectangle 97">
-            <a:extLst>
-              <a:ext uri="{FF2B5EF4-FFF2-40B4-BE49-F238E27FC236}">
-                <a16:creationId xmlns:a16="http://schemas.microsoft.com/office/drawing/2014/main" id="{237B84ED-119D-FE4A-A6E3-F3A79D1B6EB0}"/>
-              </a:ext>
-            </a:extLst>
-          </p:cNvPr>
-          <p:cNvSpPr/>
-          <p:nvPr/>
-        </p:nvSpPr>
-        <p:spPr>
-          <a:xfrm>
-            <a:off x="10121837" y="3158204"/>
-            <a:ext cx="242887" cy="218646"/>
-          </a:xfrm>
-          <a:prstGeom prst="rect">
-            <a:avLst/>
-          </a:prstGeom>
-          <a:solidFill>
-            <a:srgbClr val="92D050"/>
-          </a:solidFill>
-        </p:spPr>
-        <p:style>
-          <a:lnRef idx="2">
-            <a:schemeClr val="accent1">
-              <a:shade val="50000"/>
-            </a:schemeClr>
-          </a:lnRef>
-          <a:fillRef idx="1">
-            <a:schemeClr val="accent1"/>
-          </a:fillRef>
-          <a:effectRef idx="0">
-            <a:schemeClr val="accent1"/>
-          </a:effectRef>
-          <a:fontRef idx="minor">
-            <a:schemeClr val="lt1"/>
-          </a:fontRef>
-        </p:style>
-        <p:txBody>
-          <a:bodyPr rtlCol="0" anchor="ctr"/>
-          <a:lstStyle/>
-          <a:p>
-            <a:pPr algn="ctr"/>
-            <a:endParaRPr lang="en-US" dirty="0">
-              <a:solidFill>
-                <a:schemeClr val="tx1"/>
-              </a:solidFill>
-            </a:endParaRPr>
-          </a:p>
-        </p:txBody>
-      </p:sp>
-      <p:sp>
-        <p:nvSpPr>
-          <p:cNvPr id="99" name="TextBox 98">
-            <a:extLst>
-              <a:ext uri="{FF2B5EF4-FFF2-40B4-BE49-F238E27FC236}">
-                <a16:creationId xmlns:a16="http://schemas.microsoft.com/office/drawing/2014/main" id="{B6AEC3AC-2D8B-D741-9781-D762946E5738}"/>
-              </a:ext>
-            </a:extLst>
-          </p:cNvPr>
-          <p:cNvSpPr txBox="1"/>
-          <p:nvPr/>
-        </p:nvSpPr>
-        <p:spPr>
-          <a:xfrm>
-            <a:off x="9776127" y="2209587"/>
-            <a:ext cx="1015021" cy="307777"/>
-          </a:xfrm>
-          <a:prstGeom prst="rect">
-            <a:avLst/>
-          </a:prstGeom>
-          <a:noFill/>
-        </p:spPr>
-        <p:txBody>
-          <a:bodyPr wrap="none" rtlCol="0">
-            <a:spAutoFit/>
-          </a:bodyPr>
-          <a:lstStyle/>
-          <a:p>
-            <a:r>
-              <a:rPr lang="en-US" sz="1400" dirty="0"/>
-              <a:t>JNI handles</a:t>
-            </a:r>
-          </a:p>
-        </p:txBody>
-      </p:sp>
-      <p:cxnSp>
-        <p:nvCxnSpPr>
-          <p:cNvPr id="104" name="Curved Connector 103">
-            <a:extLst>
-              <a:ext uri="{FF2B5EF4-FFF2-40B4-BE49-F238E27FC236}">
-                <a16:creationId xmlns:a16="http://schemas.microsoft.com/office/drawing/2014/main" id="{F4A79ACC-821B-3641-AC5E-F22EFB03CFB4}"/>
-              </a:ext>
-            </a:extLst>
-          </p:cNvPr>
-          <p:cNvCxnSpPr>
-            <a:cxnSpLocks/>
-            <a:endCxn id="96" idx="3"/>
-          </p:cNvCxnSpPr>
-          <p:nvPr/>
-        </p:nvCxnSpPr>
-        <p:spPr>
-          <a:xfrm rot="5400000" flipH="1" flipV="1">
-            <a:off x="8942917" y="3799418"/>
-            <a:ext cx="2390989" cy="452625"/>
-          </a:xfrm>
-          <a:prstGeom prst="curvedConnector4">
-            <a:avLst>
-              <a:gd name="adj1" fmla="val 292"/>
-              <a:gd name="adj2" fmla="val 346466"/>
-            </a:avLst>
-          </a:prstGeom>
-          <a:ln>
-            <a:solidFill>
-              <a:schemeClr val="tx1"/>
-            </a:solidFill>
-            <a:prstDash val="dash"/>
-            <a:tailEnd type="triangle"/>
-          </a:ln>
-        </p:spPr>
-        <p:style>
-          <a:lnRef idx="1">
-            <a:schemeClr val="accent1"/>
-          </a:lnRef>
-          <a:fillRef idx="0">
-            <a:schemeClr val="accent1"/>
-          </a:fillRef>
-          <a:effectRef idx="0">
-            <a:schemeClr val="accent1"/>
-          </a:effectRef>
-          <a:fontRef idx="minor">
-            <a:schemeClr val="tx1"/>
-          </a:fontRef>
-        </p:style>
-      </p:cxnSp>
-      <p:cxnSp>
-        <p:nvCxnSpPr>
-          <p:cNvPr id="113" name="Elbow Connector 112">
-            <a:extLst>
-              <a:ext uri="{FF2B5EF4-FFF2-40B4-BE49-F238E27FC236}">
-                <a16:creationId xmlns:a16="http://schemas.microsoft.com/office/drawing/2014/main" id="{69E52EF6-56FA-BD40-AD41-1A28DA487F5D}"/>
-              </a:ext>
-            </a:extLst>
-          </p:cNvPr>
-          <p:cNvCxnSpPr>
-            <a:cxnSpLocks/>
-            <a:stCxn id="96" idx="1"/>
-            <a:endCxn id="82" idx="3"/>
-          </p:cNvCxnSpPr>
-          <p:nvPr/>
-        </p:nvCxnSpPr>
-        <p:spPr>
-          <a:xfrm rot="10800000">
-            <a:off x="8312093" y="1116269"/>
-            <a:ext cx="1809745" cy="1713966"/>
-          </a:xfrm>
-          <a:prstGeom prst="bentConnector3">
-            <a:avLst>
-              <a:gd name="adj1" fmla="val 50000"/>
-            </a:avLst>
-          </a:prstGeom>
-          <a:ln>
-            <a:solidFill>
-              <a:schemeClr val="tx1"/>
-            </a:solidFill>
-            <a:tailEnd type="triangle"/>
-          </a:ln>
-        </p:spPr>
-        <p:style>
-          <a:lnRef idx="1">
-            <a:schemeClr val="accent1"/>
-          </a:lnRef>
-          <a:fillRef idx="0">
-            <a:schemeClr val="accent1"/>
-          </a:fillRef>
-          <a:effectRef idx="0">
-            <a:schemeClr val="accent1"/>
-          </a:effectRef>
-          <a:fontRef idx="minor">
-            <a:schemeClr val="tx1"/>
-          </a:fontRef>
-        </p:style>
-      </p:cxnSp>
-      <p:cxnSp>
-        <p:nvCxnSpPr>
-          <p:cNvPr id="117" name="Elbow Connector 116">
-            <a:extLst>
-              <a:ext uri="{FF2B5EF4-FFF2-40B4-BE49-F238E27FC236}">
-                <a16:creationId xmlns:a16="http://schemas.microsoft.com/office/drawing/2014/main" id="{23211774-A1A1-E54F-B71D-973B31BF94ED}"/>
-              </a:ext>
-            </a:extLst>
-          </p:cNvPr>
-          <p:cNvCxnSpPr>
-            <a:cxnSpLocks/>
-            <a:endCxn id="93" idx="2"/>
-          </p:cNvCxnSpPr>
-          <p:nvPr/>
-        </p:nvCxnSpPr>
-        <p:spPr>
-          <a:xfrm flipV="1">
-            <a:off x="6624320" y="5608701"/>
-            <a:ext cx="3206140" cy="629539"/>
-          </a:xfrm>
-          <a:prstGeom prst="bentConnector2">
-            <a:avLst/>
           </a:prstGeom>
           <a:ln>
             <a:solidFill>
@@ -5599,6 +5060,140 @@
           </a:fontRef>
         </p:style>
       </p:cxnSp>
+      <p:sp>
+        <p:nvSpPr>
+          <p:cNvPr id="2" name="TextBox 1">
+            <a:extLst>
+              <a:ext uri="{FF2B5EF4-FFF2-40B4-BE49-F238E27FC236}">
+                <a16:creationId xmlns:a16="http://schemas.microsoft.com/office/drawing/2014/main" id="{DD32E8C4-C38A-FF47-BB3A-60A83EE6EC92}"/>
+              </a:ext>
+            </a:extLst>
+          </p:cNvPr>
+          <p:cNvSpPr txBox="1"/>
+          <p:nvPr/>
+        </p:nvSpPr>
+        <p:spPr>
+          <a:xfrm>
+            <a:off x="7891849" y="4097738"/>
+            <a:ext cx="3888259" cy="461665"/>
+          </a:xfrm>
+          <a:prstGeom prst="rect">
+            <a:avLst/>
+          </a:prstGeom>
+          <a:noFill/>
+        </p:spPr>
+        <p:txBody>
+          <a:bodyPr wrap="square" rtlCol="0">
+            <a:spAutoFit/>
+          </a:bodyPr>
+          <a:lstStyle/>
+          <a:p>
+            <a:r>
+              <a:rPr lang="en-US" sz="1050" dirty="0" err="1">
+                <a:latin typeface="Monaco" pitchFamily="2" charset="77"/>
+              </a:rPr>
+              <a:t>JVMCINMethodData</a:t>
+            </a:r>
+            <a:r>
+              <a:rPr lang="en-US" sz="1050" dirty="0">
+                <a:latin typeface="Monaco" pitchFamily="2" charset="77"/>
+              </a:rPr>
+              <a:t>::_</a:t>
+            </a:r>
+            <a:r>
+              <a:rPr lang="en-US" sz="1050" dirty="0" err="1">
+                <a:latin typeface="Monaco" pitchFamily="2" charset="77"/>
+              </a:rPr>
+              <a:t>nmethod_mirror</a:t>
+            </a:r>
+            <a:r>
+              <a:rPr lang="en-US" sz="1050" dirty="0">
+                <a:latin typeface="Monaco" pitchFamily="2" charset="77"/>
+              </a:rPr>
+              <a:t> </a:t>
+            </a:r>
+            <a:r>
+              <a:rPr lang="en-US" sz="1200" dirty="0"/>
+              <a:t>can be safely updated no matter what state a thread is in.</a:t>
+            </a:r>
+          </a:p>
+        </p:txBody>
+      </p:sp>
+      <p:sp>
+        <p:nvSpPr>
+          <p:cNvPr id="47" name="TextBox 46">
+            <a:extLst>
+              <a:ext uri="{FF2B5EF4-FFF2-40B4-BE49-F238E27FC236}">
+                <a16:creationId xmlns:a16="http://schemas.microsoft.com/office/drawing/2014/main" id="{15DEC604-26CF-F642-A731-841538A7A80A}"/>
+              </a:ext>
+            </a:extLst>
+          </p:cNvPr>
+          <p:cNvSpPr txBox="1"/>
+          <p:nvPr/>
+        </p:nvSpPr>
+        <p:spPr>
+          <a:xfrm>
+            <a:off x="7891848" y="2270302"/>
+            <a:ext cx="3888259" cy="646331"/>
+          </a:xfrm>
+          <a:prstGeom prst="rect">
+            <a:avLst/>
+          </a:prstGeom>
+          <a:noFill/>
+        </p:spPr>
+        <p:txBody>
+          <a:bodyPr wrap="square" rtlCol="0">
+            <a:spAutoFit/>
+          </a:bodyPr>
+          <a:lstStyle/>
+          <a:p>
+            <a:r>
+              <a:rPr lang="en-US" sz="1200" dirty="0"/>
+              <a:t>The </a:t>
+            </a:r>
+            <a:r>
+              <a:rPr lang="en-US" sz="1050" dirty="0">
+                <a:latin typeface="Monaco" pitchFamily="2" charset="77"/>
+              </a:rPr>
+              <a:t>address</a:t>
+            </a:r>
+            <a:r>
+              <a:rPr lang="en-US" sz="1200" dirty="0"/>
+              <a:t> and </a:t>
+            </a:r>
+            <a:r>
+              <a:rPr lang="en-US" sz="1050" dirty="0" err="1">
+                <a:latin typeface="Monaco" pitchFamily="2" charset="77"/>
+              </a:rPr>
+              <a:t>entryPoint</a:t>
+            </a:r>
+            <a:r>
+              <a:rPr lang="en-US" sz="1200" dirty="0"/>
+              <a:t> fields in </a:t>
+            </a:r>
+            <a:r>
+              <a:rPr lang="en-US" sz="1050" dirty="0" err="1">
+                <a:latin typeface="Monaco" pitchFamily="2" charset="77"/>
+              </a:rPr>
+              <a:t>HotSpotNMethodHandle</a:t>
+            </a:r>
+            <a:r>
+              <a:rPr lang="en-US" sz="1200" dirty="0"/>
+              <a:t> are updated by each call to a </a:t>
+            </a:r>
+            <a:r>
+              <a:rPr lang="en-US" sz="1050" dirty="0" err="1">
+                <a:latin typeface="Monaco" pitchFamily="2" charset="77"/>
+              </a:rPr>
+              <a:t>HotSpotNMethodHandle</a:t>
+            </a:r>
+            <a:r>
+              <a:rPr lang="en-US" sz="1200" dirty="0"/>
+              <a:t> method.</a:t>
+            </a:r>
+          </a:p>
+        </p:txBody>
+      </p:sp>
     </p:spTree>
     <p:extLst>
       <p:ext uri="{BB962C8B-B14F-4D97-AF65-F5344CB8AC3E}">
